--- a/adt-and-links/res/Linked3.pptx
+++ b/adt-and-links/res/Linked3.pptx
@@ -3340,10 +3340,10 @@
         </p:nvGrpSpPr>
         <p:grpSpPr>
           <a:xfrm>
-            <a:off x="894178" y="1053885"/>
-            <a:ext cx="10967621" cy="1503335"/>
-            <a:chOff x="1174022" y="4045058"/>
-            <a:chExt cx="10124242" cy="1503335"/>
+            <a:off x="1732961" y="1053885"/>
+            <a:ext cx="10128838" cy="1503335"/>
+            <a:chOff x="1948305" y="4045058"/>
+            <a:chExt cx="9349959" cy="1503335"/>
           </a:xfrm>
         </p:grpSpPr>
         <p:sp>
@@ -3360,8 +3360,8 @@
           </p:nvSpPr>
           <p:spPr>
             <a:xfrm>
-              <a:off x="1174022" y="4637003"/>
-              <a:ext cx="869662" cy="400110"/>
+              <a:off x="1948305" y="4171694"/>
+              <a:ext cx="854104" cy="338554"/>
             </a:xfrm>
             <a:prstGeom prst="rect">
               <a:avLst/>
@@ -3375,7 +3375,10 @@
             <a:lstStyle/>
             <a:p>
               <a:r>
-                <a:rPr lang="en-US" sz="2000" b="1" dirty="0"/>
+                <a:rPr lang="en-US" sz="1600" b="1" dirty="0">
+                  <a:latin typeface="Courier New" panose="02070309020205020404" pitchFamily="49" charset="0"/>
+                  <a:cs typeface="Courier New" panose="02070309020205020404" pitchFamily="49" charset="0"/>
+                </a:rPr>
                 <a:t>myList</a:t>
               </a:r>
             </a:p>
@@ -3401,6 +3404,9 @@
             <a:prstGeom prst="rect">
               <a:avLst/>
             </a:prstGeom>
+            <a:solidFill>
+              <a:schemeClr val="bg2"/>
+            </a:solidFill>
           </p:spPr>
           <p:style>
             <a:lnRef idx="2">
@@ -3423,7 +3429,7 @@
             <a:lstStyle/>
             <a:p>
               <a:pPr algn="ctr"/>
-              <a:endParaRPr lang="en-US" dirty="0"/>
+              <a:endParaRPr lang="en-US" sz="1600" dirty="0"/>
             </a:p>
           </p:txBody>
         </p:sp>
@@ -3441,13 +3447,15 @@
           </p:nvSpPr>
           <p:spPr>
             <a:xfrm>
-              <a:off x="3133459" y="4157870"/>
-              <a:ext cx="702815" cy="369332"/>
+              <a:off x="3102463" y="4166062"/>
+              <a:ext cx="968044" cy="338554"/>
             </a:xfrm>
             <a:prstGeom prst="rect">
               <a:avLst/>
             </a:prstGeom>
-            <a:noFill/>
+            <a:solidFill>
+              <a:schemeClr val="bg1"/>
+            </a:solidFill>
           </p:spPr>
           <p:txBody>
             <a:bodyPr wrap="none" rtlCol="0">
@@ -3456,12 +3464,11 @@
             <a:lstStyle/>
             <a:p>
               <a:r>
-                <a:rPr lang="en-US" dirty="0">
-                  <a:solidFill>
-                    <a:schemeClr val="bg1"/>
-                  </a:solidFill>
+                <a:rPr lang="en-US" sz="1600" dirty="0">
+                  <a:latin typeface="Courier New" panose="02070309020205020404" pitchFamily="49" charset="0"/>
+                  <a:cs typeface="Courier New" panose="02070309020205020404" pitchFamily="49" charset="0"/>
                 </a:rPr>
-                <a:t>size: 2</a:t>
+                <a:t>size: 4</a:t>
               </a:r>
             </a:p>
           </p:txBody>
@@ -3480,13 +3487,15 @@
           </p:nvSpPr>
           <p:spPr>
             <a:xfrm>
-              <a:off x="3102463" y="4720060"/>
-              <a:ext cx="654346" cy="369332"/>
+              <a:off x="3102463" y="4733937"/>
+              <a:ext cx="626225" cy="338554"/>
             </a:xfrm>
             <a:prstGeom prst="rect">
               <a:avLst/>
             </a:prstGeom>
-            <a:noFill/>
+            <a:solidFill>
+              <a:schemeClr val="bg1"/>
+            </a:solidFill>
           </p:spPr>
           <p:txBody>
             <a:bodyPr wrap="none" rtlCol="0">
@@ -3495,10 +3504,9 @@
             <a:lstStyle/>
             <a:p>
               <a:r>
-                <a:rPr lang="en-US" dirty="0">
-                  <a:solidFill>
-                    <a:schemeClr val="bg1"/>
-                  </a:solidFill>
+                <a:rPr lang="en-US" sz="1600" dirty="0">
+                  <a:latin typeface="Courier New" panose="02070309020205020404" pitchFamily="49" charset="0"/>
+                  <a:cs typeface="Courier New" panose="02070309020205020404" pitchFamily="49" charset="0"/>
                 </a:rPr>
                 <a:t>head</a:t>
               </a:r>
@@ -3516,58 +3524,13 @@
             </p:cNvPr>
             <p:cNvCxnSpPr>
               <a:cxnSpLocks/>
-              <a:stCxn id="19" idx="3"/>
-            </p:cNvCxnSpPr>
-            <p:nvPr/>
-          </p:nvCxnSpPr>
-          <p:spPr>
-            <a:xfrm flipV="1">
-              <a:off x="3756809" y="4903213"/>
-              <a:ext cx="341947" cy="1513"/>
-            </a:xfrm>
-            <a:prstGeom prst="straightConnector1">
-              <a:avLst/>
-            </a:prstGeom>
-            <a:ln w="25400">
-              <a:solidFill>
-                <a:schemeClr val="bg1"/>
-              </a:solidFill>
-              <a:tailEnd type="triangle"/>
-            </a:ln>
-          </p:spPr>
-          <p:style>
-            <a:lnRef idx="1">
-              <a:schemeClr val="accent1"/>
-            </a:lnRef>
-            <a:fillRef idx="0">
-              <a:schemeClr val="accent1"/>
-            </a:fillRef>
-            <a:effectRef idx="0">
-              <a:schemeClr val="accent1"/>
-            </a:effectRef>
-            <a:fontRef idx="minor">
-              <a:schemeClr val="tx1"/>
-            </a:fontRef>
-          </p:style>
-        </p:cxnSp>
-        <p:cxnSp>
-          <p:nvCxnSpPr>
-            <p:cNvPr id="27" name="Straight Arrow Connector 26">
-              <a:extLst>
-                <a:ext uri="{FF2B5EF4-FFF2-40B4-BE49-F238E27FC236}">
-                  <a16:creationId xmlns:a16="http://schemas.microsoft.com/office/drawing/2014/main" id="{12453A9F-C468-3142-B4F1-E2691F5B6136}"/>
-                </a:ext>
-              </a:extLst>
-            </p:cNvPr>
-            <p:cNvCxnSpPr>
-              <a:stCxn id="5" idx="3"/>
             </p:cNvCxnSpPr>
             <p:nvPr/>
           </p:nvCxnSpPr>
           <p:spPr>
             <a:xfrm>
-              <a:off x="2043684" y="4837058"/>
-              <a:ext cx="923036" cy="0"/>
+              <a:off x="3714400" y="4888155"/>
+              <a:ext cx="373333" cy="5348"/>
             </a:xfrm>
             <a:prstGeom prst="straightConnector1">
               <a:avLst/>
@@ -3576,7 +3539,7 @@
               <a:solidFill>
                 <a:schemeClr val="tx1"/>
               </a:solidFill>
-              <a:tailEnd type="triangle"/>
+              <a:tailEnd type="triangle" w="lg" len="lg"/>
             </a:ln>
           </p:spPr>
           <p:style>
@@ -3636,7 +3599,7 @@
               <a:avLst/>
             </a:prstGeom>
             <a:solidFill>
-              <a:schemeClr val="bg1"/>
+              <a:srgbClr val="FFFF00"/>
             </a:solidFill>
           </p:spPr>
           <p:style>
@@ -3660,20 +3623,32 @@
             <a:lstStyle/>
             <a:p>
               <a:r>
-                <a:rPr lang="en-US" dirty="0">
+                <a:rPr lang="en-US" sz="1600" dirty="0">
+                  <a:solidFill>
+                    <a:schemeClr val="tx1"/>
+                  </a:solidFill>
+                  <a:latin typeface="Courier New" panose="02070309020205020404" pitchFamily="49" charset="0"/>
+                  <a:cs typeface="Courier New" panose="02070309020205020404" pitchFamily="49" charset="0"/>
+                </a:rPr>
+                <a:t>value</a:t>
+              </a:r>
+              <a:r>
+                <a:rPr lang="en-US" sz="1600" dirty="0">
                   <a:solidFill>
                     <a:schemeClr val="tx1"/>
                   </a:solidFill>
                 </a:rPr>
-                <a:t>value: “Cheese”</a:t>
+                <a:t>: "Cheese"</a:t>
               </a:r>
             </a:p>
             <a:p>
               <a:r>
-                <a:rPr lang="en-US" dirty="0">
+                <a:rPr lang="en-US" sz="1600" dirty="0">
                   <a:solidFill>
                     <a:schemeClr val="tx1"/>
                   </a:solidFill>
+                  <a:latin typeface="Courier New" panose="02070309020205020404" pitchFamily="49" charset="0"/>
+                  <a:cs typeface="Courier New" panose="02070309020205020404" pitchFamily="49" charset="0"/>
                 </a:rPr>
                 <a:t>next</a:t>
               </a:r>
@@ -3706,7 +3681,7 @@
               <a:solidFill>
                 <a:schemeClr val="tx1"/>
               </a:solidFill>
-              <a:tailEnd type="triangle"/>
+              <a:tailEnd type="triangle" w="lg" len="lg"/>
             </a:ln>
           </p:spPr>
           <p:style>
@@ -3746,7 +3721,7 @@
             <a:avLst/>
           </a:prstGeom>
           <a:solidFill>
-            <a:schemeClr val="bg1"/>
+            <a:srgbClr val="FFFF00"/>
           </a:solidFill>
         </p:spPr>
         <p:style>
@@ -3770,34 +3745,100 @@
           <a:lstStyle/>
           <a:p>
             <a:r>
-              <a:rPr lang="en-US" dirty="0">
+              <a:rPr lang="en-US" sz="1600" dirty="0">
+                <a:solidFill>
+                  <a:schemeClr val="tx1"/>
+                </a:solidFill>
+                <a:latin typeface="Courier New" panose="02070309020205020404" pitchFamily="49" charset="0"/>
+                <a:cs typeface="Courier New" panose="02070309020205020404" pitchFamily="49" charset="0"/>
+              </a:rPr>
+              <a:t>value</a:t>
+            </a:r>
+            <a:r>
+              <a:rPr lang="en-US" sz="1600" dirty="0">
                 <a:solidFill>
                   <a:schemeClr val="tx1"/>
                 </a:solidFill>
               </a:rPr>
-              <a:t>value: “Milk”</a:t>
-            </a:r>
-          </a:p>
-          <a:p>
-            <a:r>
-              <a:rPr lang="en-US">
+              <a:t>: "Milk"</a:t>
+            </a:r>
+          </a:p>
+          <a:p>
+            <a:r>
+              <a:rPr lang="en-US" sz="1600" dirty="0">
                 <a:solidFill>
                   <a:schemeClr val="tx1"/>
                 </a:solidFill>
+                <a:latin typeface="Courier New" panose="02070309020205020404" pitchFamily="49" charset="0"/>
+                <a:cs typeface="Courier New" panose="02070309020205020404" pitchFamily="49" charset="0"/>
               </a:rPr>
-              <a:t>next</a:t>
-            </a:r>
-            <a:r>
-              <a:rPr lang="en-US" dirty="0">
+              <a:t>Next</a:t>
+            </a:r>
+            <a:r>
+              <a:rPr lang="en-US" sz="1600">
                 <a:solidFill>
                   <a:schemeClr val="tx1"/>
                 </a:solidFill>
+                <a:latin typeface="Courier New" panose="02070309020205020404" pitchFamily="49" charset="0"/>
+                <a:cs typeface="Courier New" panose="02070309020205020404" pitchFamily="49" charset="0"/>
               </a:rPr>
               <a:t>: null</a:t>
             </a:r>
-          </a:p>
-        </p:txBody>
-      </p:sp>
+            <a:endParaRPr lang="en-US" sz="1600" dirty="0">
+              <a:solidFill>
+                <a:schemeClr val="tx1"/>
+              </a:solidFill>
+              <a:latin typeface="Courier New" panose="02070309020205020404" pitchFamily="49" charset="0"/>
+              <a:cs typeface="Courier New" panose="02070309020205020404" pitchFamily="49" charset="0"/>
+            </a:endParaRPr>
+          </a:p>
+        </p:txBody>
+      </p:sp>
+      <p:cxnSp>
+        <p:nvCxnSpPr>
+          <p:cNvPr id="22" name="Elbow Connector 21">
+            <a:extLst>
+              <a:ext uri="{FF2B5EF4-FFF2-40B4-BE49-F238E27FC236}">
+                <a16:creationId xmlns:a16="http://schemas.microsoft.com/office/drawing/2014/main" id="{0F0D3CA5-C0BF-8047-8A84-B44494CF910F}"/>
+              </a:ext>
+            </a:extLst>
+          </p:cNvPr>
+          <p:cNvCxnSpPr>
+            <a:cxnSpLocks/>
+            <a:stCxn id="5" idx="2"/>
+          </p:cNvCxnSpPr>
+          <p:nvPr/>
+        </p:nvCxnSpPr>
+        <p:spPr>
+          <a:xfrm rot="16200000" flipH="1">
+            <a:off x="2293989" y="1420673"/>
+            <a:ext cx="377907" cy="574709"/>
+          </a:xfrm>
+          <a:prstGeom prst="bentConnector2">
+            <a:avLst/>
+          </a:prstGeom>
+          <a:ln>
+            <a:solidFill>
+              <a:schemeClr val="tx1"/>
+            </a:solidFill>
+            <a:tailEnd type="triangle" w="lg" len="lg"/>
+          </a:ln>
+        </p:spPr>
+        <p:style>
+          <a:lnRef idx="1">
+            <a:schemeClr val="accent1"/>
+          </a:lnRef>
+          <a:fillRef idx="0">
+            <a:schemeClr val="accent1"/>
+          </a:fillRef>
+          <a:effectRef idx="0">
+            <a:schemeClr val="accent1"/>
+          </a:effectRef>
+          <a:fontRef idx="minor">
+            <a:schemeClr val="tx1"/>
+          </a:fontRef>
+        </p:style>
+      </p:cxnSp>
     </p:spTree>
     <p:extLst>
       <p:ext uri="{BB962C8B-B14F-4D97-AF65-F5344CB8AC3E}">
